--- a/Documents/BookIt_v2.pptx
+++ b/Documents/BookIt_v2.pptx
@@ -4911,11 +4911,7 @@
           <a:p>
             <a:r>
               <a:rPr lang="en-US" dirty="0" smtClean="0"/>
-              <a:t>SEPTEMBER 1</a:t>
-            </a:r>
-            <a:r>
-              <a:rPr lang="en-US" dirty="0" smtClean="0"/>
-              <a:t>, 2015</a:t>
+              <a:t>SEPTEMBER 1, 2015</a:t>
             </a:r>
             <a:endParaRPr lang="en-US" dirty="0"/>
           </a:p>
@@ -5157,7 +5153,6 @@
               <a:rPr lang="en-US" dirty="0" smtClean="0"/>
               <a:t>etc.</a:t>
             </a:r>
-            <a:endParaRPr lang="en-US" dirty="0" smtClean="0"/>
           </a:p>
         </p:txBody>
       </p:sp>
@@ -5277,7 +5272,7 @@
           <a:graphicData uri="http://schemas.openxmlformats.org/presentationml/2006/ole">
             <mc:AlternateContent xmlns:mc="http://schemas.openxmlformats.org/markup-compatibility/2006">
               <mc:Choice xmlns:v="urn:schemas-microsoft-com:vml" Requires="v">
-                <p:oleObj spid="_x0000_s1028" name="Visio" r:id="rId3" imgW="5772201" imgH="1885950" progId="Visio.Drawing.15">
+                <p:oleObj spid="_x0000_s1031" name="Visio" r:id="rId3" imgW="5772201" imgH="1885950" progId="Visio.Drawing.15">
                   <p:embed/>
                 </p:oleObj>
               </mc:Choice>
@@ -6407,7 +6402,7 @@
       </p:sp>
       <p:pic>
         <p:nvPicPr>
-          <p:cNvPr id="7" name="Picture 6"/>
+          <p:cNvPr id="5" name="Picture 4"/>
           <p:cNvPicPr>
             <a:picLocks noChangeAspect="1"/>
           </p:cNvPicPr>
@@ -6421,8 +6416,8 @@
         </p:blipFill>
         <p:spPr>
           <a:xfrm>
-            <a:off x="914400" y="1018601"/>
-            <a:ext cx="7315200" cy="5458399"/>
+            <a:off x="914400" y="1006720"/>
+            <a:ext cx="7543800" cy="5394080"/>
           </a:xfrm>
           <a:prstGeom prst="rect">
             <a:avLst/>
